--- a/CS476_Presentation.pptx
+++ b/CS476_Presentation.pptx
@@ -13,10 +13,12 @@
     <p:sldId id="263" r:id="rId7"/>
     <p:sldId id="264" r:id="rId8"/>
     <p:sldId id="261" r:id="rId9"/>
-    <p:sldId id="265" r:id="rId10"/>
-    <p:sldId id="266" r:id="rId11"/>
-    <p:sldId id="267" r:id="rId12"/>
-    <p:sldId id="262" r:id="rId13"/>
+    <p:sldId id="266" r:id="rId10"/>
+    <p:sldId id="267" r:id="rId11"/>
+    <p:sldId id="268" r:id="rId12"/>
+    <p:sldId id="269" r:id="rId13"/>
+    <p:sldId id="265" r:id="rId14"/>
+    <p:sldId id="262" r:id="rId15"/>
   </p:sldIdLst>
   <p:sldSz cx="12192000" cy="6858000"/>
   <p:notesSz cx="6858000" cy="9144000"/>
@@ -12449,77 +12451,6 @@
       </p:grpSpPr>
       <p:pic>
         <p:nvPicPr>
-          <p:cNvPr id="4098" name="Picture 2" descr="https://lh4.googleusercontent.com/6I3ZQBYqOXENgIRXYGiBYk_vfdnNYj19AN-FA25OC3H5oztMyNHU0K3igj9os5AaXqpviWSw81cZfzezPJ3zyR5ZlvKkUBH-tJDHscG5V-LyBT-XBUkXF7wDi3mvzkip64YqWhSf"/>
-          <p:cNvPicPr>
-            <a:picLocks noChangeAspect="1" noChangeArrowheads="1"/>
-          </p:cNvPicPr>
-          <p:nvPr/>
-        </p:nvPicPr>
-        <p:blipFill>
-          <a:blip r:embed="rId2">
-            <a:extLst>
-              <a:ext uri="{28A0092B-C50C-407E-A947-70E740481C1C}">
-                <a14:useLocalDpi xmlns:a14="http://schemas.microsoft.com/office/drawing/2010/main" val="0"/>
-              </a:ext>
-            </a:extLst>
-          </a:blip>
-          <a:srcRect/>
-          <a:stretch>
-            <a:fillRect/>
-          </a:stretch>
-        </p:blipFill>
-        <p:spPr bwMode="auto">
-          <a:xfrm>
-            <a:off x="190500" y="495300"/>
-            <a:ext cx="11806059" cy="5543550"/>
-          </a:xfrm>
-          <a:prstGeom prst="rect">
-            <a:avLst/>
-          </a:prstGeom>
-          <a:noFill/>
-          <a:extLst>
-            <a:ext uri="{909E8E84-426E-40DD-AFC4-6F175D3DCCD1}">
-              <a14:hiddenFill xmlns:a14="http://schemas.microsoft.com/office/drawing/2010/main">
-                <a:solidFill>
-                  <a:srgbClr val="FFFFFF"/>
-                </a:solidFill>
-              </a14:hiddenFill>
-            </a:ext>
-          </a:extLst>
-        </p:spPr>
-      </p:pic>
-    </p:spTree>
-    <p:extLst>
-      <p:ext uri="{BB962C8B-B14F-4D97-AF65-F5344CB8AC3E}">
-        <p14:creationId xmlns:p14="http://schemas.microsoft.com/office/powerpoint/2010/main" val="2016561249"/>
-      </p:ext>
-    </p:extLst>
-  </p:cSld>
-  <p:clrMapOvr>
-    <a:masterClrMapping/>
-  </p:clrMapOvr>
-</p:sld>
-</file>
-
-<file path=ppt/slides/slide11.xml><?xml version="1.0" encoding="utf-8"?>
-<p:sld xmlns:a="http://schemas.openxmlformats.org/drawingml/2006/main" xmlns:r="http://schemas.openxmlformats.org/officeDocument/2006/relationships" xmlns:p="http://schemas.openxmlformats.org/presentationml/2006/main">
-  <p:cSld>
-    <p:spTree>
-      <p:nvGrpSpPr>
-        <p:cNvPr id="1" name=""/>
-        <p:cNvGrpSpPr/>
-        <p:nvPr/>
-      </p:nvGrpSpPr>
-      <p:grpSpPr>
-        <a:xfrm>
-          <a:off x="0" y="0"/>
-          <a:ext cx="0" cy="0"/>
-          <a:chOff x="0" y="0"/>
-          <a:chExt cx="0" cy="0"/>
-        </a:xfrm>
-      </p:grpSpPr>
-      <p:pic>
-        <p:nvPicPr>
           <p:cNvPr id="5122" name="Picture 2" descr="https://lh5.googleusercontent.com/UjhqawIc-Tl9dQ-pakwQ8_gac9mgc-c0a8dJOOaGDtgmjHSrIhDsd0Fp-Jbv7ucPreIG6V0Bg4Kb3rLGQ6biwSZNaEDBT-PYI9tdurLRMqOxcfDawjRgFyEkCProOqZZSEEcve20"/>
           <p:cNvPicPr>
             <a:picLocks noChangeAspect="1" noChangeArrowheads="1"/>
@@ -12572,7 +12503,220 @@
 </p:sld>
 </file>
 
+<file path=ppt/slides/slide11.xml><?xml version="1.0" encoding="utf-8"?>
+<p:sld xmlns:a="http://schemas.openxmlformats.org/drawingml/2006/main" xmlns:r="http://schemas.openxmlformats.org/officeDocument/2006/relationships" xmlns:p="http://schemas.openxmlformats.org/presentationml/2006/main">
+  <p:cSld>
+    <p:spTree>
+      <p:nvGrpSpPr>
+        <p:cNvPr id="1" name=""/>
+        <p:cNvGrpSpPr/>
+        <p:nvPr/>
+      </p:nvGrpSpPr>
+      <p:grpSpPr>
+        <a:xfrm>
+          <a:off x="0" y="0"/>
+          <a:ext cx="0" cy="0"/>
+          <a:chOff x="0" y="0"/>
+          <a:chExt cx="0" cy="0"/>
+        </a:xfrm>
+      </p:grpSpPr>
+      <p:pic>
+        <p:nvPicPr>
+          <p:cNvPr id="6146" name="Picture 2" descr="https://lh6.googleusercontent.com/KEM_O9cuAUDP7OtZjXZ5-IEGb-cJbd93FYNGmGYq7yOMGa0UHFbzi9nuFABb-2rH5NOCF1QTxwIfAYxLDxXpmvjorqusOb9UwIcBNBYx-akFYJ3MS44ibLU0CkciOyoL9gV1vRwV"/>
+          <p:cNvPicPr>
+            <a:picLocks noChangeAspect="1" noChangeArrowheads="1"/>
+          </p:cNvPicPr>
+          <p:nvPr/>
+        </p:nvPicPr>
+        <p:blipFill>
+          <a:blip r:embed="rId2">
+            <a:extLst>
+              <a:ext uri="{28A0092B-C50C-407E-A947-70E740481C1C}">
+                <a14:useLocalDpi xmlns:a14="http://schemas.microsoft.com/office/drawing/2010/main" val="0"/>
+              </a:ext>
+            </a:extLst>
+          </a:blip>
+          <a:srcRect/>
+          <a:stretch>
+            <a:fillRect/>
+          </a:stretch>
+        </p:blipFill>
+        <p:spPr bwMode="auto">
+          <a:xfrm>
+            <a:off x="187325" y="334962"/>
+            <a:ext cx="11862866" cy="5418138"/>
+          </a:xfrm>
+          <a:prstGeom prst="rect">
+            <a:avLst/>
+          </a:prstGeom>
+          <a:noFill/>
+          <a:extLst>
+            <a:ext uri="{909E8E84-426E-40DD-AFC4-6F175D3DCCD1}">
+              <a14:hiddenFill xmlns:a14="http://schemas.microsoft.com/office/drawing/2010/main">
+                <a:solidFill>
+                  <a:srgbClr val="FFFFFF"/>
+                </a:solidFill>
+              </a14:hiddenFill>
+            </a:ext>
+          </a:extLst>
+        </p:spPr>
+      </p:pic>
+    </p:spTree>
+    <p:extLst>
+      <p:ext uri="{BB962C8B-B14F-4D97-AF65-F5344CB8AC3E}">
+        <p14:creationId xmlns:p14="http://schemas.microsoft.com/office/powerpoint/2010/main" val="362504385"/>
+      </p:ext>
+    </p:extLst>
+  </p:cSld>
+  <p:clrMapOvr>
+    <a:masterClrMapping/>
+  </p:clrMapOvr>
+</p:sld>
+</file>
+
 <file path=ppt/slides/slide12.xml><?xml version="1.0" encoding="utf-8"?>
+<p:sld xmlns:a="http://schemas.openxmlformats.org/drawingml/2006/main" xmlns:r="http://schemas.openxmlformats.org/officeDocument/2006/relationships" xmlns:p="http://schemas.openxmlformats.org/presentationml/2006/main">
+  <p:cSld>
+    <p:spTree>
+      <p:nvGrpSpPr>
+        <p:cNvPr id="1" name=""/>
+        <p:cNvGrpSpPr/>
+        <p:nvPr/>
+      </p:nvGrpSpPr>
+      <p:grpSpPr>
+        <a:xfrm>
+          <a:off x="0" y="0"/>
+          <a:ext cx="0" cy="0"/>
+          <a:chOff x="0" y="0"/>
+          <a:chExt cx="0" cy="0"/>
+        </a:xfrm>
+      </p:grpSpPr>
+      <p:pic>
+        <p:nvPicPr>
+          <p:cNvPr id="7170" name="Picture 2" descr="https://lh4.googleusercontent.com/KODRJMXA6NiIKQIqVC6QHrIuX01y_eKgmzgg4pXMph7oU5RxdG2gQuwIQqhcGtFBsYWIF-dLO967PyzPmnGxt50a05dVOVAvrsWoCesoHGKvkwKh89YwALfg9ghmPX8D4Kxmagbm"/>
+          <p:cNvPicPr>
+            <a:picLocks noChangeAspect="1" noChangeArrowheads="1"/>
+          </p:cNvPicPr>
+          <p:nvPr/>
+        </p:nvPicPr>
+        <p:blipFill>
+          <a:blip r:embed="rId2">
+            <a:extLst>
+              <a:ext uri="{28A0092B-C50C-407E-A947-70E740481C1C}">
+                <a14:useLocalDpi xmlns:a14="http://schemas.microsoft.com/office/drawing/2010/main" val="0"/>
+              </a:ext>
+            </a:extLst>
+          </a:blip>
+          <a:srcRect/>
+          <a:stretch>
+            <a:fillRect/>
+          </a:stretch>
+        </p:blipFill>
+        <p:spPr bwMode="auto">
+          <a:xfrm>
+            <a:off x="396874" y="514350"/>
+            <a:ext cx="11531769" cy="5562600"/>
+          </a:xfrm>
+          <a:prstGeom prst="rect">
+            <a:avLst/>
+          </a:prstGeom>
+          <a:noFill/>
+          <a:extLst>
+            <a:ext uri="{909E8E84-426E-40DD-AFC4-6F175D3DCCD1}">
+              <a14:hiddenFill xmlns:a14="http://schemas.microsoft.com/office/drawing/2010/main">
+                <a:solidFill>
+                  <a:srgbClr val="FFFFFF"/>
+                </a:solidFill>
+              </a14:hiddenFill>
+            </a:ext>
+          </a:extLst>
+        </p:spPr>
+      </p:pic>
+    </p:spTree>
+    <p:extLst>
+      <p:ext uri="{BB962C8B-B14F-4D97-AF65-F5344CB8AC3E}">
+        <p14:creationId xmlns:p14="http://schemas.microsoft.com/office/powerpoint/2010/main" val="1106633121"/>
+      </p:ext>
+    </p:extLst>
+  </p:cSld>
+  <p:clrMapOvr>
+    <a:masterClrMapping/>
+  </p:clrMapOvr>
+</p:sld>
+</file>
+
+<file path=ppt/slides/slide13.xml><?xml version="1.0" encoding="utf-8"?>
+<p:sld xmlns:a="http://schemas.openxmlformats.org/drawingml/2006/main" xmlns:r="http://schemas.openxmlformats.org/officeDocument/2006/relationships" xmlns:p="http://schemas.openxmlformats.org/presentationml/2006/main">
+  <p:cSld>
+    <p:spTree>
+      <p:nvGrpSpPr>
+        <p:cNvPr id="1" name=""/>
+        <p:cNvGrpSpPr/>
+        <p:nvPr/>
+      </p:nvGrpSpPr>
+      <p:grpSpPr>
+        <a:xfrm>
+          <a:off x="0" y="0"/>
+          <a:ext cx="0" cy="0"/>
+          <a:chOff x="0" y="0"/>
+          <a:chExt cx="0" cy="0"/>
+        </a:xfrm>
+      </p:grpSpPr>
+      <p:pic>
+        <p:nvPicPr>
+          <p:cNvPr id="3074" name="Picture 2" descr="https://lh3.googleusercontent.com/c8FjLKB518ci4iCi9bH8PeGvOhf7BA-hF0RKyLbUVY809KJoq2ZNXmHrqh_s-aY3eYee_9Zqgm8a7JOfcgcjgUOuH54NPItVEemR3wmMAyBvmHlYUcRgO38SF8wZCiPzHtT5aDn1"/>
+          <p:cNvPicPr>
+            <a:picLocks noChangeAspect="1" noChangeArrowheads="1"/>
+          </p:cNvPicPr>
+          <p:nvPr/>
+        </p:nvPicPr>
+        <p:blipFill>
+          <a:blip r:embed="rId2">
+            <a:extLst>
+              <a:ext uri="{28A0092B-C50C-407E-A947-70E740481C1C}">
+                <a14:useLocalDpi xmlns:a14="http://schemas.microsoft.com/office/drawing/2010/main" val="0"/>
+              </a:ext>
+            </a:extLst>
+          </a:blip>
+          <a:srcRect/>
+          <a:stretch>
+            <a:fillRect/>
+          </a:stretch>
+        </p:blipFill>
+        <p:spPr bwMode="auto">
+          <a:xfrm>
+            <a:off x="1177925" y="228600"/>
+            <a:ext cx="9547226" cy="6410719"/>
+          </a:xfrm>
+          <a:prstGeom prst="rect">
+            <a:avLst/>
+          </a:prstGeom>
+          <a:noFill/>
+          <a:extLst>
+            <a:ext uri="{909E8E84-426E-40DD-AFC4-6F175D3DCCD1}">
+              <a14:hiddenFill xmlns:a14="http://schemas.microsoft.com/office/drawing/2010/main">
+                <a:solidFill>
+                  <a:srgbClr val="FFFFFF"/>
+                </a:solidFill>
+              </a14:hiddenFill>
+            </a:ext>
+          </a:extLst>
+        </p:spPr>
+      </p:pic>
+    </p:spTree>
+    <p:extLst>
+      <p:ext uri="{BB962C8B-B14F-4D97-AF65-F5344CB8AC3E}">
+        <p14:creationId xmlns:p14="http://schemas.microsoft.com/office/powerpoint/2010/main" val="3235301190"/>
+      </p:ext>
+    </p:extLst>
+  </p:cSld>
+  <p:clrMapOvr>
+    <a:masterClrMapping/>
+  </p:clrMapOvr>
+</p:sld>
+</file>
+
+<file path=ppt/slides/slide14.xml><?xml version="1.0" encoding="utf-8"?>
 <p:sld xmlns:a="http://schemas.openxmlformats.org/drawingml/2006/main" xmlns:r="http://schemas.openxmlformats.org/officeDocument/2006/relationships" xmlns:p="http://schemas.openxmlformats.org/presentationml/2006/main">
   <p:cSld>
     <p:spTree>
@@ -13306,7 +13450,7 @@
       </p:grpSpPr>
       <p:pic>
         <p:nvPicPr>
-          <p:cNvPr id="3074" name="Picture 2" descr="https://lh3.googleusercontent.com/c8FjLKB518ci4iCi9bH8PeGvOhf7BA-hF0RKyLbUVY809KJoq2ZNXmHrqh_s-aY3eYee_9Zqgm8a7JOfcgcjgUOuH54NPItVEemR3wmMAyBvmHlYUcRgO38SF8wZCiPzHtT5aDn1"/>
+          <p:cNvPr id="4098" name="Picture 2" descr="https://lh4.googleusercontent.com/6I3ZQBYqOXENgIRXYGiBYk_vfdnNYj19AN-FA25OC3H5oztMyNHU0K3igj9os5AaXqpviWSw81cZfzezPJ3zyR5ZlvKkUBH-tJDHscG5V-LyBT-XBUkXF7wDi3mvzkip64YqWhSf"/>
           <p:cNvPicPr>
             <a:picLocks noChangeAspect="1" noChangeArrowheads="1"/>
           </p:cNvPicPr>
@@ -13327,8 +13471,8 @@
         </p:blipFill>
         <p:spPr bwMode="auto">
           <a:xfrm>
-            <a:off x="1177925" y="228600"/>
-            <a:ext cx="9547226" cy="6410719"/>
+            <a:off x="190500" y="495300"/>
+            <a:ext cx="11806059" cy="5543550"/>
           </a:xfrm>
           <a:prstGeom prst="rect">
             <a:avLst/>
@@ -13348,7 +13492,7 @@
     </p:spTree>
     <p:extLst>
       <p:ext uri="{BB962C8B-B14F-4D97-AF65-F5344CB8AC3E}">
-        <p14:creationId xmlns:p14="http://schemas.microsoft.com/office/powerpoint/2010/main" val="3235301190"/>
+        <p14:creationId xmlns:p14="http://schemas.microsoft.com/office/powerpoint/2010/main" val="2016561249"/>
       </p:ext>
     </p:extLst>
   </p:cSld>
